--- a/GIT/git.pptx
+++ b/GIT/git.pptx
@@ -283,7 +283,7 @@
           <a:p>
             <a:fld id="{E479B3EB-D358-EA42-A3C0-9CF96C713276}" type="datetimeFigureOut">
               <a:rPr lang="en-US" smtClean="0"/>
-              <a:t>11/25/19</a:t>
+              <a:t>1/18/21</a:t>
             </a:fld>
             <a:endParaRPr lang="en-US"/>
           </a:p>
@@ -481,7 +481,7 @@
           <a:p>
             <a:fld id="{E479B3EB-D358-EA42-A3C0-9CF96C713276}" type="datetimeFigureOut">
               <a:rPr lang="en-US" smtClean="0"/>
-              <a:t>11/25/19</a:t>
+              <a:t>1/18/21</a:t>
             </a:fld>
             <a:endParaRPr lang="en-US"/>
           </a:p>
@@ -689,7 +689,7 @@
           <a:p>
             <a:fld id="{E479B3EB-D358-EA42-A3C0-9CF96C713276}" type="datetimeFigureOut">
               <a:rPr lang="en-US" smtClean="0"/>
-              <a:t>11/25/19</a:t>
+              <a:t>1/18/21</a:t>
             </a:fld>
             <a:endParaRPr lang="en-US"/>
           </a:p>
@@ -887,7 +887,7 @@
           <a:p>
             <a:fld id="{E479B3EB-D358-EA42-A3C0-9CF96C713276}" type="datetimeFigureOut">
               <a:rPr lang="en-US" smtClean="0"/>
-              <a:t>11/25/19</a:t>
+              <a:t>1/18/21</a:t>
             </a:fld>
             <a:endParaRPr lang="en-US"/>
           </a:p>
@@ -1162,7 +1162,7 @@
           <a:p>
             <a:fld id="{E479B3EB-D358-EA42-A3C0-9CF96C713276}" type="datetimeFigureOut">
               <a:rPr lang="en-US" smtClean="0"/>
-              <a:t>11/25/19</a:t>
+              <a:t>1/18/21</a:t>
             </a:fld>
             <a:endParaRPr lang="en-US"/>
           </a:p>
@@ -1427,7 +1427,7 @@
           <a:p>
             <a:fld id="{E479B3EB-D358-EA42-A3C0-9CF96C713276}" type="datetimeFigureOut">
               <a:rPr lang="en-US" smtClean="0"/>
-              <a:t>11/25/19</a:t>
+              <a:t>1/18/21</a:t>
             </a:fld>
             <a:endParaRPr lang="en-US"/>
           </a:p>
@@ -1839,7 +1839,7 @@
           <a:p>
             <a:fld id="{E479B3EB-D358-EA42-A3C0-9CF96C713276}" type="datetimeFigureOut">
               <a:rPr lang="en-US" smtClean="0"/>
-              <a:t>11/25/19</a:t>
+              <a:t>1/18/21</a:t>
             </a:fld>
             <a:endParaRPr lang="en-US"/>
           </a:p>
@@ -1980,7 +1980,7 @@
           <a:p>
             <a:fld id="{E479B3EB-D358-EA42-A3C0-9CF96C713276}" type="datetimeFigureOut">
               <a:rPr lang="en-US" smtClean="0"/>
-              <a:t>11/25/19</a:t>
+              <a:t>1/18/21</a:t>
             </a:fld>
             <a:endParaRPr lang="en-US"/>
           </a:p>
@@ -2093,7 +2093,7 @@
           <a:p>
             <a:fld id="{E479B3EB-D358-EA42-A3C0-9CF96C713276}" type="datetimeFigureOut">
               <a:rPr lang="en-US" smtClean="0"/>
-              <a:t>11/25/19</a:t>
+              <a:t>1/18/21</a:t>
             </a:fld>
             <a:endParaRPr lang="en-US"/>
           </a:p>
@@ -2404,7 +2404,7 @@
           <a:p>
             <a:fld id="{E479B3EB-D358-EA42-A3C0-9CF96C713276}" type="datetimeFigureOut">
               <a:rPr lang="en-US" smtClean="0"/>
-              <a:t>11/25/19</a:t>
+              <a:t>1/18/21</a:t>
             </a:fld>
             <a:endParaRPr lang="en-US"/>
           </a:p>
@@ -2692,7 +2692,7 @@
           <a:p>
             <a:fld id="{E479B3EB-D358-EA42-A3C0-9CF96C713276}" type="datetimeFigureOut">
               <a:rPr lang="en-US" smtClean="0"/>
-              <a:t>11/25/19</a:t>
+              <a:t>1/18/21</a:t>
             </a:fld>
             <a:endParaRPr lang="en-US"/>
           </a:p>
@@ -2933,7 +2933,7 @@
           <a:p>
             <a:fld id="{E479B3EB-D358-EA42-A3C0-9CF96C713276}" type="datetimeFigureOut">
               <a:rPr lang="en-US" smtClean="0"/>
-              <a:t>11/25/19</a:t>
+              <a:t>1/18/21</a:t>
             </a:fld>
             <a:endParaRPr lang="en-US"/>
           </a:p>
@@ -3717,8 +3717,8 @@
         </p:nvSpPr>
         <p:spPr>
           <a:xfrm>
-            <a:off x="838200" y="1825625"/>
-            <a:ext cx="3187535" cy="4351338"/>
+            <a:off x="457200" y="1825625"/>
+            <a:ext cx="3568535" cy="4351338"/>
           </a:xfrm>
         </p:spPr>
         <p:txBody>
@@ -3727,7 +3727,7 @@
           <a:p>
             <a:r>
               <a:rPr lang="en-US" dirty="0"/>
-              <a:t>git push</a:t>
+              <a:t>git push – share latest snapshot</a:t>
             </a:r>
           </a:p>
           <a:p>
@@ -3739,7 +3739,7 @@
           <a:p>
             <a:r>
               <a:rPr lang="en-US" dirty="0"/>
-              <a:t>git fetch</a:t>
+              <a:t>git fetch – download latest snapshot</a:t>
             </a:r>
           </a:p>
         </p:txBody>
@@ -5066,8 +5066,8 @@
         </p:blipFill>
         <p:spPr>
           <a:xfrm>
-            <a:off x="4144488" y="3336410"/>
-            <a:ext cx="4687278" cy="3359216"/>
+            <a:off x="4427033" y="3257519"/>
+            <a:ext cx="4828479" cy="3460409"/>
           </a:xfrm>
           <a:prstGeom prst="rect">
             <a:avLst/>
@@ -6448,7 +6448,7 @@
           <a:p>
             <a:r>
               <a:rPr lang="en-US" dirty="0"/>
-              <a:t>ftp</a:t>
+              <a:t>ftp – rarely used</a:t>
             </a:r>
           </a:p>
           <a:p>
@@ -6644,7 +6644,10 @@
               <a:rPr lang="en-US" dirty="0" err="1"/>
               <a:t>gitconfig</a:t>
             </a:r>
-            <a:endParaRPr lang="en-US" dirty="0"/>
+            <a:r>
+              <a:rPr lang="en-US" dirty="0"/>
+              <a:t> – system global</a:t>
+            </a:r>
           </a:p>
           <a:p>
             <a:pPr lvl="1"/>
@@ -6656,7 +6659,25 @@
               <a:rPr lang="en-US" dirty="0" err="1"/>
               <a:t>gitconfig</a:t>
             </a:r>
-            <a:endParaRPr lang="en-US" dirty="0"/>
+            <a:r>
+              <a:rPr lang="en-US" dirty="0"/>
+              <a:t> – user global</a:t>
+            </a:r>
+          </a:p>
+          <a:p>
+            <a:pPr lvl="1"/>
+            <a:r>
+              <a:rPr lang="en-US" dirty="0"/>
+              <a:t>$PWD/.git/config – local for this repository stored in </a:t>
+            </a:r>
+            <a:r>
+              <a:rPr lang="en-US" dirty="0" err="1"/>
+              <a:t>CurrentWorkingDirectory</a:t>
+            </a:r>
+            <a:r>
+              <a:rPr lang="en-US" dirty="0"/>
+              <a:t> </a:t>
+            </a:r>
           </a:p>
           <a:p>
             <a:pPr lvl="1"/>
@@ -6738,7 +6759,12 @@
             <p:ph idx="1"/>
           </p:nvPr>
         </p:nvSpPr>
-        <p:spPr/>
+        <p:spPr>
+          <a:xfrm>
+            <a:off x="838200" y="1825625"/>
+            <a:ext cx="10959790" cy="4351338"/>
+          </a:xfrm>
+        </p:spPr>
         <p:txBody>
           <a:bodyPr/>
           <a:lstStyle/>
@@ -6753,7 +6779,10 @@
               </a:rPr>
               <a:t>https://github.com/orasul/bash-scripts</a:t>
             </a:r>
-            <a:endParaRPr lang="en-US" dirty="0"/>
+            <a:r>
+              <a:rPr lang="en-US" dirty="0"/>
+              <a:t> - http/https</a:t>
+            </a:r>
           </a:p>
           <a:p>
             <a:r>
@@ -6766,6 +6795,14 @@
               </a:rPr>
               <a:t>git@github.com:orasul/bash-scripts</a:t>
             </a:r>
+            <a:r>
+              <a:rPr lang="en-US" dirty="0"/>
+              <a:t> - </a:t>
+            </a:r>
+            <a:r>
+              <a:rPr lang="en-US" dirty="0" err="1"/>
+              <a:t>ssh</a:t>
+            </a:r>
             <a:endParaRPr lang="en-US" dirty="0"/>
           </a:p>
           <a:p>
@@ -6777,9 +6814,12 @@
               <a:rPr lang="en-US" dirty="0">
                 <a:hlinkClick r:id="rId4"/>
               </a:rPr>
-              <a:t>file://Users/rasul/workspace/bash-scripts</a:t>
-            </a:r>
-            <a:endParaRPr lang="en-US" dirty="0"/>
+              <a:t>file:///Users/rasul/workspace/bash-scripts</a:t>
+            </a:r>
+            <a:r>
+              <a:rPr lang="en-US" dirty="0"/>
+              <a:t> - local file protocol</a:t>
+            </a:r>
           </a:p>
           <a:p>
             <a:pPr marL="0" indent="0">
